--- a/Assets/Research/Final_Presentation.pptx
+++ b/Assets/Research/Final_Presentation.pptx
@@ -10,9 +10,10 @@
     <p:sldId id="261" r:id="rId4"/>
     <p:sldId id="262" r:id="rId5"/>
     <p:sldId id="265" r:id="rId6"/>
-    <p:sldId id="263" r:id="rId7"/>
-    <p:sldId id="257" r:id="rId8"/>
-    <p:sldId id="264" r:id="rId9"/>
+    <p:sldId id="266" r:id="rId7"/>
+    <p:sldId id="263" r:id="rId8"/>
+    <p:sldId id="257" r:id="rId9"/>
+    <p:sldId id="264" r:id="rId10"/>
   </p:sldIdLst>
   <p:sldSz cx="12192000" cy="6858000"/>
   <p:notesSz cx="6858000" cy="9144000"/>
@@ -113,7 +114,7 @@
   </p:defaultTextStyle>
   <p:extLst>
     <p:ext uri="{EFAFB233-063F-42B5-8137-9DF3F51BA10A}">
-      <p15:sldGuideLst xmlns:p15="http://schemas.microsoft.com/office/powerpoint/2012/main" xmlns=""/>
+      <p15:sldGuideLst xmlns="" xmlns:p15="http://schemas.microsoft.com/office/powerpoint/2012/main"/>
     </p:ext>
   </p:extLst>
 </p:presentation>
@@ -504,7 +505,7 @@
             <a:fld id="{301D2EBD-822C-4DB8-BC19-FACAA94B58DC}" type="datetimeFigureOut">
               <a:rPr lang="en-GB" smtClean="0"/>
               <a:pPr/>
-              <a:t>02/05/2017</a:t>
+              <a:t>03/05/2017</a:t>
             </a:fld>
             <a:endParaRPr lang="en-GB"/>
           </a:p>
@@ -671,7 +672,7 @@
             <a:fld id="{301D2EBD-822C-4DB8-BC19-FACAA94B58DC}" type="datetimeFigureOut">
               <a:rPr lang="en-GB" smtClean="0"/>
               <a:pPr/>
-              <a:t>02/05/2017</a:t>
+              <a:t>03/05/2017</a:t>
             </a:fld>
             <a:endParaRPr lang="en-GB"/>
           </a:p>
@@ -848,7 +849,7 @@
             <a:fld id="{301D2EBD-822C-4DB8-BC19-FACAA94B58DC}" type="datetimeFigureOut">
               <a:rPr lang="en-GB" smtClean="0"/>
               <a:pPr/>
-              <a:t>02/05/2017</a:t>
+              <a:t>03/05/2017</a:t>
             </a:fld>
             <a:endParaRPr lang="en-GB"/>
           </a:p>
@@ -1019,7 +1020,7 @@
             <a:fld id="{301D2EBD-822C-4DB8-BC19-FACAA94B58DC}" type="datetimeFigureOut">
               <a:rPr lang="en-GB" smtClean="0"/>
               <a:pPr/>
-              <a:t>02/05/2017</a:t>
+              <a:t>03/05/2017</a:t>
             </a:fld>
             <a:endParaRPr lang="en-GB"/>
           </a:p>
@@ -1476,7 +1477,7 @@
             <a:fld id="{301D2EBD-822C-4DB8-BC19-FACAA94B58DC}" type="datetimeFigureOut">
               <a:rPr lang="en-GB" smtClean="0"/>
               <a:pPr/>
-              <a:t>02/05/2017</a:t>
+              <a:t>03/05/2017</a:t>
             </a:fld>
             <a:endParaRPr lang="en-GB"/>
           </a:p>
@@ -1742,7 +1743,7 @@
             <a:fld id="{301D2EBD-822C-4DB8-BC19-FACAA94B58DC}" type="datetimeFigureOut">
               <a:rPr lang="en-GB" smtClean="0"/>
               <a:pPr/>
-              <a:t>02/05/2017</a:t>
+              <a:t>03/05/2017</a:t>
             </a:fld>
             <a:endParaRPr lang="en-GB"/>
           </a:p>
@@ -2118,7 +2119,7 @@
             <a:fld id="{301D2EBD-822C-4DB8-BC19-FACAA94B58DC}" type="datetimeFigureOut">
               <a:rPr lang="en-GB" smtClean="0"/>
               <a:pPr/>
-              <a:t>02/05/2017</a:t>
+              <a:t>03/05/2017</a:t>
             </a:fld>
             <a:endParaRPr lang="en-GB"/>
           </a:p>
@@ -2242,7 +2243,7 @@
             <a:fld id="{301D2EBD-822C-4DB8-BC19-FACAA94B58DC}" type="datetimeFigureOut">
               <a:rPr lang="en-GB" smtClean="0"/>
               <a:pPr/>
-              <a:t>02/05/2017</a:t>
+              <a:t>03/05/2017</a:t>
             </a:fld>
             <a:endParaRPr lang="en-GB"/>
           </a:p>
@@ -2334,7 +2335,7 @@
             <a:fld id="{301D2EBD-822C-4DB8-BC19-FACAA94B58DC}" type="datetimeFigureOut">
               <a:rPr lang="en-GB" smtClean="0"/>
               <a:pPr/>
-              <a:t>02/05/2017</a:t>
+              <a:t>03/05/2017</a:t>
             </a:fld>
             <a:endParaRPr lang="en-GB"/>
           </a:p>
@@ -2585,7 +2586,7 @@
             <a:fld id="{301D2EBD-822C-4DB8-BC19-FACAA94B58DC}" type="datetimeFigureOut">
               <a:rPr lang="en-GB" smtClean="0"/>
               <a:pPr/>
-              <a:t>02/05/2017</a:t>
+              <a:t>03/05/2017</a:t>
             </a:fld>
             <a:endParaRPr lang="en-GB"/>
           </a:p>
@@ -2846,7 +2847,7 @@
             <a:fld id="{301D2EBD-822C-4DB8-BC19-FACAA94B58DC}" type="datetimeFigureOut">
               <a:rPr lang="en-GB" smtClean="0"/>
               <a:pPr/>
-              <a:t>02/05/2017</a:t>
+              <a:t>03/05/2017</a:t>
             </a:fld>
             <a:endParaRPr lang="en-GB"/>
           </a:p>
@@ -3252,7 +3253,7 @@
             <a:fld id="{301D2EBD-822C-4DB8-BC19-FACAA94B58DC}" type="datetimeFigureOut">
               <a:rPr lang="en-GB" smtClean="0"/>
               <a:pPr/>
-              <a:t>02/05/2017</a:t>
+              <a:t>03/05/2017</a:t>
             </a:fld>
             <a:endParaRPr lang="en-GB"/>
           </a:p>
@@ -3740,7 +3741,7 @@
           <a:blip r:embed="rId3" cstate="print">
             <a:extLst>
               <a:ext uri="{28A0092B-C50C-407E-A947-70E740481C1C}">
-                <a14:useLocalDpi xmlns:a14="http://schemas.microsoft.com/office/drawing/2010/main" xmlns="" val="0"/>
+                <a14:useLocalDpi xmlns="" xmlns:a14="http://schemas.microsoft.com/office/drawing/2010/main" val="0"/>
               </a:ext>
             </a:extLst>
           </a:blip>
@@ -3770,7 +3771,7 @@
           <a:blip r:embed="rId3" cstate="print">
             <a:extLst>
               <a:ext uri="{28A0092B-C50C-407E-A947-70E740481C1C}">
-                <a14:useLocalDpi xmlns:a14="http://schemas.microsoft.com/office/drawing/2010/main" xmlns="" val="0"/>
+                <a14:useLocalDpi xmlns="" xmlns:a14="http://schemas.microsoft.com/office/drawing/2010/main" val="0"/>
               </a:ext>
             </a:extLst>
           </a:blip>
@@ -3791,7 +3792,7 @@
     </p:spTree>
     <p:extLst>
       <p:ext uri="{BB962C8B-B14F-4D97-AF65-F5344CB8AC3E}">
-        <p14:creationId xmlns:p14="http://schemas.microsoft.com/office/powerpoint/2010/main" xmlns="" val="2578072080"/>
+        <p14:creationId xmlns="" xmlns:p14="http://schemas.microsoft.com/office/powerpoint/2010/main" val="2578072080"/>
       </p:ext>
     </p:extLst>
   </p:cSld>
@@ -3799,7 +3800,7 @@
     <a:masterClrMapping/>
   </p:clrMapOvr>
   <mc:AlternateContent xmlns:mc="http://schemas.openxmlformats.org/markup-compatibility/2006">
-    <mc:Choice xmlns:p14="http://schemas.microsoft.com/office/powerpoint/2010/main" xmlns="" Requires="p14">
+    <mc:Choice xmlns="" xmlns:p14="http://schemas.microsoft.com/office/powerpoint/2010/main" Requires="p14">
       <p:transition p14:dur="0"/>
     </mc:Choice>
     <mc:Fallback>
@@ -3897,17 +3898,8 @@
             </a:r>
             <a:r>
               <a:rPr lang="en-GB" sz="2400" dirty="0" smtClean="0"/>
-              <a:t>  </a:t>
-            </a:r>
-            <a:r>
-              <a:rPr lang="en-GB" sz="2400" dirty="0" smtClean="0"/>
-              <a:t>(</a:t>
-            </a:r>
-            <a:r>
-              <a:rPr lang="en-GB" sz="2400" dirty="0" smtClean="0"/>
-              <a:t>Water quantities which is the score)</a:t>
-            </a:r>
-            <a:endParaRPr lang="en-GB" sz="2400" dirty="0" smtClean="0"/>
+              <a:t>  (Water quantities which is the score)</a:t>
+            </a:r>
           </a:p>
           <a:p>
             <a:endParaRPr lang="en-GB" sz="2400" dirty="0" smtClean="0"/>
@@ -3933,11 +3925,7 @@
           <a:p>
             <a:r>
               <a:rPr lang="en-GB" sz="2400" dirty="0" smtClean="0"/>
-              <a:t>Spinners </a:t>
-            </a:r>
-            <a:r>
-              <a:rPr lang="en-GB" sz="2400" dirty="0" smtClean="0"/>
-              <a:t>– Provide </a:t>
+              <a:t>Spinners – Provide </a:t>
             </a:r>
             <a:r>
               <a:rPr lang="en-GB" sz="2400" dirty="0"/>
@@ -3962,7 +3950,7 @@
           <a:blip r:embed="rId2" cstate="print">
             <a:extLst>
               <a:ext uri="{28A0092B-C50C-407E-A947-70E740481C1C}">
-                <a14:useLocalDpi xmlns:a14="http://schemas.microsoft.com/office/drawing/2010/main" xmlns="" val="0"/>
+                <a14:useLocalDpi xmlns="" xmlns:a14="http://schemas.microsoft.com/office/drawing/2010/main" val="0"/>
               </a:ext>
             </a:extLst>
           </a:blip>
@@ -4008,11 +3996,7 @@
             </a:pPr>
             <a:r>
               <a:rPr lang="en-GB" sz="2400" dirty="0" smtClean="0"/>
-              <a:t>The symmetrical layout can be seen </a:t>
-            </a:r>
-            <a:r>
-              <a:rPr lang="en-GB" sz="2400" dirty="0" smtClean="0"/>
-              <a:t>below (designs may differ on level)</a:t>
+              <a:t>The symmetrical layout can be seen below (designs may differ on level)</a:t>
             </a:r>
             <a:endParaRPr lang="en-GB" sz="2400" dirty="0"/>
           </a:p>
@@ -4030,7 +4014,7 @@
           <a:blip r:embed="rId3" cstate="print">
             <a:extLst>
               <a:ext uri="{28A0092B-C50C-407E-A947-70E740481C1C}">
-                <a14:useLocalDpi xmlns:a14="http://schemas.microsoft.com/office/drawing/2010/main" xmlns="" val="0"/>
+                <a14:useLocalDpi xmlns="" xmlns:a14="http://schemas.microsoft.com/office/drawing/2010/main" val="0"/>
               </a:ext>
             </a:extLst>
           </a:blip>
@@ -4060,7 +4044,7 @@
           <a:blip r:embed="rId4" cstate="print">
             <a:extLst>
               <a:ext uri="{28A0092B-C50C-407E-A947-70E740481C1C}">
-                <a14:useLocalDpi xmlns:a14="http://schemas.microsoft.com/office/drawing/2010/main" xmlns="" val="0"/>
+                <a14:useLocalDpi xmlns="" xmlns:a14="http://schemas.microsoft.com/office/drawing/2010/main" val="0"/>
               </a:ext>
             </a:extLst>
           </a:blip>
@@ -4120,7 +4104,7 @@
           <a:blip r:embed="rId5" cstate="print">
             <a:extLst>
               <a:ext uri="{28A0092B-C50C-407E-A947-70E740481C1C}">
-                <a14:useLocalDpi xmlns:a14="http://schemas.microsoft.com/office/drawing/2010/main" xmlns="" val="0"/>
+                <a14:useLocalDpi xmlns="" xmlns:a14="http://schemas.microsoft.com/office/drawing/2010/main" val="0"/>
               </a:ext>
             </a:extLst>
           </a:blip>
@@ -4150,7 +4134,7 @@
           <a:blip r:embed="rId5" cstate="print">
             <a:extLst>
               <a:ext uri="{28A0092B-C50C-407E-A947-70E740481C1C}">
-                <a14:useLocalDpi xmlns:a14="http://schemas.microsoft.com/office/drawing/2010/main" xmlns="" val="0"/>
+                <a14:useLocalDpi xmlns="" xmlns:a14="http://schemas.microsoft.com/office/drawing/2010/main" val="0"/>
               </a:ext>
             </a:extLst>
           </a:blip>
@@ -4171,7 +4155,7 @@
     </p:spTree>
     <p:extLst>
       <p:ext uri="{BB962C8B-B14F-4D97-AF65-F5344CB8AC3E}">
-        <p14:creationId xmlns:p14="http://schemas.microsoft.com/office/powerpoint/2010/main" xmlns="" val="2856492424"/>
+        <p14:creationId xmlns="" xmlns:p14="http://schemas.microsoft.com/office/powerpoint/2010/main" val="2856492424"/>
       </p:ext>
     </p:extLst>
   </p:cSld>
@@ -4179,7 +4163,7 @@
     <a:masterClrMapping/>
   </p:clrMapOvr>
   <mc:AlternateContent xmlns:mc="http://schemas.openxmlformats.org/markup-compatibility/2006">
-    <mc:Choice xmlns:p15="http://schemas.microsoft.com/office/powerpoint/2012/main" xmlns="" Requires="p15">
+    <mc:Choice xmlns="" xmlns:p15="http://schemas.microsoft.com/office/powerpoint/2012/main" Requires="p15">
       <p:transition xmlns:p14="http://schemas.microsoft.com/office/powerpoint/2010/main" spd="slow" p14:dur="1250">
         <p15:prstTrans prst="curtains"/>
       </p:transition>
@@ -4316,7 +4300,7 @@
     </p:spTree>
     <p:extLst>
       <p:ext uri="{BB962C8B-B14F-4D97-AF65-F5344CB8AC3E}">
-        <p14:creationId xmlns:p14="http://schemas.microsoft.com/office/powerpoint/2010/main" xmlns="" val="1654095089"/>
+        <p14:creationId xmlns="" xmlns:p14="http://schemas.microsoft.com/office/powerpoint/2010/main" val="1654095089"/>
       </p:ext>
     </p:extLst>
   </p:cSld>
@@ -4324,7 +4308,7 @@
     <a:masterClrMapping/>
   </p:clrMapOvr>
   <mc:AlternateContent xmlns:mc="http://schemas.openxmlformats.org/markup-compatibility/2006">
-    <mc:Choice xmlns:p15="http://schemas.microsoft.com/office/powerpoint/2012/main" xmlns="" Requires="p15">
+    <mc:Choice xmlns="" xmlns:p15="http://schemas.microsoft.com/office/powerpoint/2012/main" Requires="p15">
       <p:transition spd="slow">
         <p15:prstTrans prst="drape"/>
       </p:transition>
@@ -4428,7 +4412,6 @@
               <a:rPr lang="en-GB" sz="2400" dirty="0" smtClean="0"/>
               <a:t>Clarity. It’s obvious what belongs to who.</a:t>
             </a:r>
-            <a:endParaRPr lang="en-GB" sz="2400" dirty="0" smtClean="0"/>
           </a:p>
           <a:p>
             <a:endParaRPr lang="en-GB" dirty="0" smtClean="0"/>
@@ -4450,7 +4433,7 @@
           <a:blip r:embed="rId2" cstate="print">
             <a:extLst>
               <a:ext uri="{28A0092B-C50C-407E-A947-70E740481C1C}">
-                <a14:useLocalDpi xmlns:a14="http://schemas.microsoft.com/office/drawing/2010/main" xmlns="" val="0"/>
+                <a14:useLocalDpi xmlns="" xmlns:a14="http://schemas.microsoft.com/office/drawing/2010/main" val="0"/>
               </a:ext>
             </a:extLst>
           </a:blip>
@@ -4670,7 +4653,7 @@
     </p:spTree>
     <p:extLst>
       <p:ext uri="{BB962C8B-B14F-4D97-AF65-F5344CB8AC3E}">
-        <p14:creationId xmlns:p14="http://schemas.microsoft.com/office/powerpoint/2010/main" xmlns="" val="2880867187"/>
+        <p14:creationId xmlns="" xmlns:p14="http://schemas.microsoft.com/office/powerpoint/2010/main" val="2880867187"/>
       </p:ext>
     </p:extLst>
   </p:cSld>
@@ -4678,7 +4661,7 @@
     <a:masterClrMapping/>
   </p:clrMapOvr>
   <mc:AlternateContent xmlns:mc="http://schemas.openxmlformats.org/markup-compatibility/2006">
-    <mc:Choice xmlns:p15="http://schemas.microsoft.com/office/powerpoint/2012/main" xmlns="" Requires="p15">
+    <mc:Choice xmlns="" xmlns:p15="http://schemas.microsoft.com/office/powerpoint/2012/main" Requires="p15">
       <p:transition spd="slow">
         <p15:prstTrans prst="fallOver"/>
       </p:transition>
@@ -5006,41 +4989,66 @@
             <a:pPr algn="ctr"/>
             <a:r>
               <a:rPr lang="en-GB" dirty="0" smtClean="0"/>
-              <a:t>“Current Build” </a:t>
+              <a:t>Clarification Fixes</a:t>
             </a:r>
             <a:endParaRPr lang="en-GB" dirty="0"/>
           </a:p>
         </p:txBody>
       </p:sp>
+      <p:pic>
+        <p:nvPicPr>
+          <p:cNvPr id="4" name="Content Placeholder 3" descr="Screenshot_10.PNG"/>
+          <p:cNvPicPr>
+            <a:picLocks noGrp="1" noChangeAspect="1"/>
+          </p:cNvPicPr>
+          <p:nvPr>
+            <p:ph idx="1"/>
+          </p:nvPr>
+        </p:nvPicPr>
+        <p:blipFill>
+          <a:blip r:embed="rId2" cstate="print"/>
+          <a:stretch>
+            <a:fillRect/>
+          </a:stretch>
+        </p:blipFill>
+        <p:spPr>
+          <a:xfrm>
+            <a:off x="6219568" y="2035216"/>
+            <a:ext cx="5774723" cy="3245623"/>
+          </a:xfrm>
+        </p:spPr>
+      </p:pic>
+      <p:pic>
+        <p:nvPicPr>
+          <p:cNvPr id="1026" name="Picture 2" descr="E:\Group 12 Project\Confusion_Game.png"/>
+          <p:cNvPicPr>
+            <a:picLocks noChangeAspect="1" noChangeArrowheads="1"/>
+          </p:cNvPicPr>
+          <p:nvPr/>
+        </p:nvPicPr>
+        <p:blipFill>
+          <a:blip r:embed="rId3" cstate="print"/>
+          <a:srcRect/>
+          <a:stretch>
+            <a:fillRect/>
+          </a:stretch>
+        </p:blipFill>
+        <p:spPr bwMode="auto">
+          <a:xfrm>
+            <a:off x="140044" y="2042984"/>
+            <a:ext cx="5555755" cy="3118021"/>
+          </a:xfrm>
+          <a:prstGeom prst="rect">
+            <a:avLst/>
+          </a:prstGeom>
+          <a:noFill/>
+        </p:spPr>
+      </p:pic>
     </p:spTree>
-    <p:extLst>
-      <p:ext uri="{BB962C8B-B14F-4D97-AF65-F5344CB8AC3E}">
-        <p14:creationId xmlns:p14="http://schemas.microsoft.com/office/powerpoint/2010/main" xmlns="" val="3389902557"/>
-      </p:ext>
-    </p:extLst>
   </p:cSld>
   <p:clrMapOvr>
     <a:masterClrMapping/>
   </p:clrMapOvr>
-  <mc:AlternateContent xmlns:mc="http://schemas.openxmlformats.org/markup-compatibility/2006">
-    <mc:Choice xmlns:p15="http://schemas.microsoft.com/office/powerpoint/2012/main" xmlns="" Requires="p15">
-      <p:transition spd="slow">
-        <p15:prstTrans prst="fracture"/>
-      </p:transition>
-    </mc:Choice>
-    <mc:Fallback>
-      <p:transition spd="slow">
-        <p:fade/>
-      </p:transition>
-    </mc:Fallback>
-  </mc:AlternateContent>
-  <p:timing>
-    <p:tnLst>
-      <p:par>
-        <p:cTn id="1" dur="indefinite" restart="never" nodeType="tmRoot"/>
-      </p:par>
-    </p:tnLst>
-  </p:timing>
 </p:sld>
 </file>
 
@@ -5073,76 +5081,22 @@
         </p:nvSpPr>
         <p:spPr/>
         <p:txBody>
-          <a:bodyPr>
-            <a:normAutofit/>
-          </a:bodyPr>
+          <a:bodyPr/>
           <a:lstStyle/>
           <a:p>
             <a:pPr algn="ctr"/>
             <a:r>
               <a:rPr lang="en-GB" dirty="0" smtClean="0"/>
-              <a:t>Hours</a:t>
+              <a:t>Current Build</a:t>
             </a:r>
             <a:endParaRPr lang="en-GB" dirty="0"/>
-          </a:p>
-        </p:txBody>
-      </p:sp>
-      <p:sp>
-        <p:nvSpPr>
-          <p:cNvPr id="3" name="Content Placeholder 2"/>
-          <p:cNvSpPr>
-            <a:spLocks noGrp="1"/>
-          </p:cNvSpPr>
-          <p:nvPr>
-            <p:ph idx="1"/>
-          </p:nvPr>
-        </p:nvSpPr>
-        <p:spPr/>
-        <p:txBody>
-          <a:bodyPr>
-            <a:normAutofit/>
-          </a:bodyPr>
-          <a:lstStyle/>
-          <a:p>
-            <a:r>
-              <a:rPr lang="en-GB" dirty="0" smtClean="0"/>
-              <a:t>River – 39 Hours</a:t>
-            </a:r>
-          </a:p>
-          <a:p>
-            <a:endParaRPr lang="en-GB" dirty="0" smtClean="0"/>
-          </a:p>
-          <a:p>
-            <a:r>
-              <a:rPr lang="en-GB" dirty="0" smtClean="0"/>
-              <a:t>Doug – 38 Hours</a:t>
-            </a:r>
-          </a:p>
-          <a:p>
-            <a:endParaRPr lang="en-GB" dirty="0" smtClean="0"/>
-          </a:p>
-          <a:p>
-            <a:r>
-              <a:rPr lang="en-GB" dirty="0" smtClean="0"/>
-              <a:t>Elliot – 52 Hours</a:t>
-            </a:r>
-          </a:p>
-          <a:p>
-            <a:endParaRPr lang="en-GB" dirty="0" smtClean="0"/>
-          </a:p>
-          <a:p>
-            <a:r>
-              <a:rPr lang="en-GB" dirty="0" smtClean="0"/>
-              <a:t>(Joe Sawyer no longer involved)</a:t>
-            </a:r>
-            <a:endParaRPr lang="en-GB" dirty="0" smtClean="0"/>
           </a:p>
         </p:txBody>
       </p:sp>
     </p:spTree>
     <p:extLst>
       <p:ext uri="{BB962C8B-B14F-4D97-AF65-F5344CB8AC3E}">
-        <p14:creationId xmlns:p14="http://schemas.microsoft.com/office/powerpoint/2010/main" xmlns="" val="2907123046"/>
+        <p14:creationId xmlns="" xmlns:p14="http://schemas.microsoft.com/office/powerpoint/2010/main" val="3389902557"/>
       </p:ext>
     </p:extLst>
   </p:cSld>
@@ -5150,9 +5104,9 @@
     <a:masterClrMapping/>
   </p:clrMapOvr>
   <mc:AlternateContent xmlns:mc="http://schemas.openxmlformats.org/markup-compatibility/2006">
-    <mc:Choice xmlns:p15="http://schemas.microsoft.com/office/powerpoint/2012/main" xmlns="" Requires="p15">
+    <mc:Choice xmlns="" xmlns:p15="http://schemas.microsoft.com/office/powerpoint/2012/main" Requires="p15">
       <p:transition spd="slow">
-        <p15:prstTrans prst="peelOff"/>
+        <p15:prstTrans prst="fracture"/>
       </p:transition>
     </mc:Choice>
     <mc:Fallback>
@@ -5188,36 +5142,6 @@
           <a:chExt cx="0" cy="0"/>
         </a:xfrm>
       </p:grpSpPr>
-      <p:pic>
-        <p:nvPicPr>
-          <p:cNvPr id="4" name="Picture 3"/>
-          <p:cNvPicPr>
-            <a:picLocks noChangeAspect="1"/>
-          </p:cNvPicPr>
-          <p:nvPr/>
-        </p:nvPicPr>
-        <p:blipFill>
-          <a:blip r:embed="rId2" cstate="print">
-            <a:extLst>
-              <a:ext uri="{28A0092B-C50C-407E-A947-70E740481C1C}">
-                <a14:useLocalDpi xmlns:a14="http://schemas.microsoft.com/office/drawing/2010/main" xmlns="" val="0"/>
-              </a:ext>
-            </a:extLst>
-          </a:blip>
-          <a:stretch>
-            <a:fillRect/>
-          </a:stretch>
-        </p:blipFill>
-        <p:spPr>
-          <a:xfrm>
-            <a:off x="0" y="-153303"/>
-            <a:ext cx="12191999" cy="7011303"/>
-          </a:xfrm>
-          <a:prstGeom prst="rect">
-            <a:avLst/>
-          </a:prstGeom>
-        </p:spPr>
-      </p:pic>
       <p:sp>
         <p:nvSpPr>
           <p:cNvPr id="2" name="Title 1"/>
@@ -5228,20 +5152,17 @@
             <p:ph type="title"/>
           </p:nvPr>
         </p:nvSpPr>
-        <p:spPr>
-          <a:xfrm>
-            <a:off x="838199" y="1666704"/>
-            <a:ext cx="10515600" cy="1325563"/>
-          </a:xfrm>
-        </p:spPr>
-        <p:txBody>
-          <a:bodyPr/>
+        <p:spPr/>
+        <p:txBody>
+          <a:bodyPr>
+            <a:normAutofit/>
+          </a:bodyPr>
           <a:lstStyle/>
           <a:p>
             <a:pPr algn="ctr"/>
             <a:r>
               <a:rPr lang="en-GB" dirty="0" smtClean="0"/>
-              <a:t>Questions Slide</a:t>
+              <a:t>Hours</a:t>
             </a:r>
             <a:endParaRPr lang="en-GB" dirty="0"/>
           </a:p>
@@ -5259,48 +5180,74 @@
         </p:nvSpPr>
         <p:spPr/>
         <p:txBody>
-          <a:bodyPr/>
-          <a:lstStyle/>
-          <a:p>
-            <a:pPr marL="0" indent="0" algn="ctr">
-              <a:buNone/>
-            </a:pPr>
+          <a:bodyPr>
+            <a:normAutofit/>
+          </a:bodyPr>
+          <a:lstStyle/>
+          <a:p>
+            <a:r>
+              <a:rPr lang="en-GB" dirty="0" smtClean="0"/>
+              <a:t>River – </a:t>
+            </a:r>
+            <a:r>
+              <a:rPr lang="en-GB" dirty="0" smtClean="0"/>
+              <a:t>34 </a:t>
+            </a:r>
+            <a:r>
+              <a:rPr lang="en-GB" dirty="0" smtClean="0"/>
+              <a:t>Hours</a:t>
+            </a:r>
+          </a:p>
+          <a:p>
             <a:endParaRPr lang="en-GB" dirty="0" smtClean="0"/>
           </a:p>
           <a:p>
-            <a:pPr marL="0" indent="0" algn="ctr">
-              <a:buNone/>
-            </a:pPr>
-            <a:endParaRPr lang="en-GB" dirty="0"/>
-          </a:p>
-          <a:p>
-            <a:pPr marL="0" indent="0" algn="ctr">
-              <a:buNone/>
-            </a:pPr>
+            <a:r>
+              <a:rPr lang="en-GB" dirty="0" smtClean="0"/>
+              <a:t>Doug – </a:t>
+            </a:r>
+            <a:r>
+              <a:rPr lang="en-GB" dirty="0" smtClean="0"/>
+              <a:t>32 </a:t>
+            </a:r>
+            <a:r>
+              <a:rPr lang="en-GB" dirty="0" smtClean="0"/>
+              <a:t>Hours</a:t>
+            </a:r>
+          </a:p>
+          <a:p>
             <a:endParaRPr lang="en-GB" dirty="0" smtClean="0"/>
           </a:p>
           <a:p>
-            <a:pPr marL="0" indent="0" algn="ctr">
-              <a:buNone/>
-            </a:pPr>
-            <a:endParaRPr lang="en-GB" dirty="0"/>
-          </a:p>
-          <a:p>
-            <a:pPr marL="0" indent="0" algn="ctr">
-              <a:buNone/>
-            </a:pPr>
             <a:r>
               <a:rPr lang="en-GB" dirty="0" smtClean="0"/>
-              <a:t>Thanks for watching.</a:t>
-            </a:r>
-            <a:endParaRPr lang="en-GB" dirty="0"/>
+              <a:t>Elliot – </a:t>
+            </a:r>
+            <a:r>
+              <a:rPr lang="en-GB" dirty="0" smtClean="0"/>
+              <a:t>28 Hours</a:t>
+            </a:r>
+            <a:endParaRPr lang="en-GB" dirty="0" smtClean="0"/>
+          </a:p>
+          <a:p>
+            <a:r>
+              <a:rPr lang="en-GB" dirty="0" smtClean="0"/>
+              <a:t>(Jira logging should of been improved)</a:t>
+            </a:r>
+            <a:endParaRPr lang="en-GB" dirty="0" smtClean="0"/>
+          </a:p>
+          <a:p>
+            <a:r>
+              <a:rPr lang="en-GB" dirty="0" smtClean="0"/>
+              <a:t>(Joe Sawyer no longer involved)</a:t>
+            </a:r>
           </a:p>
         </p:txBody>
       </p:sp>
     </p:spTree>
     <p:extLst>
       <p:ext uri="{BB962C8B-B14F-4D97-AF65-F5344CB8AC3E}">
-        <p14:creationId xmlns:p14="http://schemas.microsoft.com/office/powerpoint/2010/main" xmlns="" val="799085454"/>
+        <p14:creationId xmlns="" xmlns:p14="http://schemas.microsoft.com/office/powerpoint/2010/main" val="2907123046"/>
       </p:ext>
     </p:extLst>
   </p:cSld>
@@ -5308,7 +5255,154 @@
     <a:masterClrMapping/>
   </p:clrMapOvr>
   <mc:AlternateContent xmlns:mc="http://schemas.openxmlformats.org/markup-compatibility/2006">
-    <mc:Choice xmlns:p14="http://schemas.microsoft.com/office/powerpoint/2010/main" xmlns="" Requires="p14">
+    <mc:Choice xmlns="" xmlns:p15="http://schemas.microsoft.com/office/powerpoint/2012/main" Requires="p15">
+      <p:transition spd="slow">
+        <p15:prstTrans prst="peelOff"/>
+      </p:transition>
+    </mc:Choice>
+    <mc:Fallback>
+      <p:transition spd="slow">
+        <p:fade/>
+      </p:transition>
+    </mc:Fallback>
+  </mc:AlternateContent>
+  <p:timing>
+    <p:tnLst>
+      <p:par>
+        <p:cTn id="1" dur="indefinite" restart="never" nodeType="tmRoot"/>
+      </p:par>
+    </p:tnLst>
+  </p:timing>
+</p:sld>
+</file>
+
+<file path=ppt/slides/slide9.xml><?xml version="1.0" encoding="utf-8"?>
+<p:sld xmlns:a="http://schemas.openxmlformats.org/drawingml/2006/main" xmlns:r="http://schemas.openxmlformats.org/officeDocument/2006/relationships" xmlns:p="http://schemas.openxmlformats.org/presentationml/2006/main">
+  <p:cSld>
+    <p:spTree>
+      <p:nvGrpSpPr>
+        <p:cNvPr id="1" name=""/>
+        <p:cNvGrpSpPr/>
+        <p:nvPr/>
+      </p:nvGrpSpPr>
+      <p:grpSpPr>
+        <a:xfrm>
+          <a:off x="0" y="0"/>
+          <a:ext cx="0" cy="0"/>
+          <a:chOff x="0" y="0"/>
+          <a:chExt cx="0" cy="0"/>
+        </a:xfrm>
+      </p:grpSpPr>
+      <p:pic>
+        <p:nvPicPr>
+          <p:cNvPr id="2050" name="Picture 2" descr="E:\Group 12 Project\Screenshot_11.PNG"/>
+          <p:cNvPicPr>
+            <a:picLocks noChangeAspect="1" noChangeArrowheads="1"/>
+          </p:cNvPicPr>
+          <p:nvPr/>
+        </p:nvPicPr>
+        <p:blipFill>
+          <a:blip r:embed="rId2" cstate="print"/>
+          <a:srcRect/>
+          <a:stretch>
+            <a:fillRect/>
+          </a:stretch>
+        </p:blipFill>
+        <p:spPr bwMode="auto">
+          <a:xfrm>
+            <a:off x="-15378" y="0"/>
+            <a:ext cx="12207378" cy="6858000"/>
+          </a:xfrm>
+          <a:prstGeom prst="rect">
+            <a:avLst/>
+          </a:prstGeom>
+          <a:noFill/>
+        </p:spPr>
+      </p:pic>
+      <p:sp>
+        <p:nvSpPr>
+          <p:cNvPr id="2" name="Title 1"/>
+          <p:cNvSpPr>
+            <a:spLocks noGrp="1"/>
+          </p:cNvSpPr>
+          <p:nvPr>
+            <p:ph type="title"/>
+          </p:nvPr>
+        </p:nvSpPr>
+        <p:spPr>
+          <a:xfrm>
+            <a:off x="467496" y="332174"/>
+            <a:ext cx="10515600" cy="1325563"/>
+          </a:xfrm>
+        </p:spPr>
+        <p:txBody>
+          <a:bodyPr/>
+          <a:lstStyle/>
+          <a:p>
+            <a:pPr algn="ctr"/>
+            <a:r>
+              <a:rPr lang="en-GB" dirty="0" smtClean="0"/>
+              <a:t>Any Questions?</a:t>
+            </a:r>
+            <a:endParaRPr lang="en-GB" dirty="0"/>
+          </a:p>
+        </p:txBody>
+      </p:sp>
+      <p:sp>
+        <p:nvSpPr>
+          <p:cNvPr id="5" name="Content Placeholder 4"/>
+          <p:cNvSpPr>
+            <a:spLocks noGrp="1"/>
+          </p:cNvSpPr>
+          <p:nvPr>
+            <p:ph idx="1"/>
+          </p:nvPr>
+        </p:nvSpPr>
+        <p:spPr>
+          <a:xfrm>
+            <a:off x="680718" y="1839250"/>
+            <a:ext cx="9956800" cy="4525963"/>
+          </a:xfrm>
+        </p:spPr>
+        <p:txBody>
+          <a:bodyPr/>
+          <a:lstStyle/>
+          <a:p>
+            <a:pPr algn="ctr">
+              <a:buNone/>
+            </a:pPr>
+            <a:endParaRPr lang="en-GB" dirty="0" smtClean="0"/>
+          </a:p>
+          <a:p>
+            <a:pPr algn="ctr">
+              <a:buNone/>
+            </a:pPr>
+            <a:endParaRPr lang="en-GB" dirty="0" smtClean="0"/>
+          </a:p>
+          <a:p>
+            <a:pPr algn="ctr">
+              <a:buNone/>
+            </a:pPr>
+            <a:r>
+              <a:rPr lang="en-GB" dirty="0" smtClean="0"/>
+              <a:t>Thanks For Watching!</a:t>
+            </a:r>
+            <a:endParaRPr lang="en-GB" dirty="0"/>
+          </a:p>
+        </p:txBody>
+      </p:sp>
+    </p:spTree>
+    <p:extLst>
+      <p:ext uri="{BB962C8B-B14F-4D97-AF65-F5344CB8AC3E}">
+        <p14:creationId xmlns="" xmlns:p14="http://schemas.microsoft.com/office/powerpoint/2010/main" val="799085454"/>
+      </p:ext>
+    </p:extLst>
+  </p:cSld>
+  <p:clrMapOvr>
+    <a:masterClrMapping/>
+  </p:clrMapOvr>
+  <mc:AlternateContent xmlns:mc="http://schemas.openxmlformats.org/markup-compatibility/2006">
+    <mc:Choice xmlns="" xmlns:p14="http://schemas.microsoft.com/office/powerpoint/2010/main" Requires="p14">
       <p:transition spd="slow" p14:dur="1500">
         <p14:ripple/>
       </p:transition>
